--- a/PyCon 2025.pptx
+++ b/PyCon 2025.pptx
@@ -5,30 +5,31 @@
     <p:sldMasterId id="2147483658" r:id="rId4"/>
   </p:sldMasterIdLst>
   <p:notesMasterIdLst>
-    <p:notesMasterId r:id="rId23"/>
+    <p:notesMasterId r:id="rId24"/>
   </p:notesMasterIdLst>
   <p:handoutMasterIdLst>
-    <p:handoutMasterId r:id="rId24"/>
+    <p:handoutMasterId r:id="rId25"/>
   </p:handoutMasterIdLst>
   <p:sldIdLst>
     <p:sldId id="256" r:id="rId5"/>
-    <p:sldId id="394" r:id="rId6"/>
-    <p:sldId id="378" r:id="rId7"/>
-    <p:sldId id="381" r:id="rId8"/>
-    <p:sldId id="382" r:id="rId9"/>
-    <p:sldId id="383" r:id="rId10"/>
-    <p:sldId id="384" r:id="rId11"/>
-    <p:sldId id="386" r:id="rId12"/>
-    <p:sldId id="385" r:id="rId13"/>
-    <p:sldId id="395" r:id="rId14"/>
-    <p:sldId id="397" r:id="rId15"/>
-    <p:sldId id="396" r:id="rId16"/>
-    <p:sldId id="391" r:id="rId17"/>
-    <p:sldId id="398" r:id="rId18"/>
-    <p:sldId id="399" r:id="rId19"/>
-    <p:sldId id="400" r:id="rId20"/>
-    <p:sldId id="401" r:id="rId21"/>
-    <p:sldId id="402" r:id="rId22"/>
+    <p:sldId id="403" r:id="rId6"/>
+    <p:sldId id="394" r:id="rId7"/>
+    <p:sldId id="378" r:id="rId8"/>
+    <p:sldId id="381" r:id="rId9"/>
+    <p:sldId id="382" r:id="rId10"/>
+    <p:sldId id="383" r:id="rId11"/>
+    <p:sldId id="384" r:id="rId12"/>
+    <p:sldId id="386" r:id="rId13"/>
+    <p:sldId id="385" r:id="rId14"/>
+    <p:sldId id="395" r:id="rId15"/>
+    <p:sldId id="397" r:id="rId16"/>
+    <p:sldId id="396" r:id="rId17"/>
+    <p:sldId id="391" r:id="rId18"/>
+    <p:sldId id="398" r:id="rId19"/>
+    <p:sldId id="399" r:id="rId20"/>
+    <p:sldId id="400" r:id="rId21"/>
+    <p:sldId id="401" r:id="rId22"/>
+    <p:sldId id="402" r:id="rId23"/>
   </p:sldIdLst>
   <p:sldSz cx="14630400" cy="8229600"/>
   <p:notesSz cx="6858000" cy="9144000"/>
@@ -764,7 +765,7 @@
           <a:p>
             <a:fld id="{801CA6A5-1784-442B-9DD7-C2A95A754E6F}" type="slidenum">
               <a:rPr lang="en-US" smtClean="0"/>
-              <a:t>8</a:t>
+              <a:t>9</a:t>
             </a:fld>
             <a:endParaRPr lang="en-US"/>
           </a:p>
@@ -872,7 +873,7 @@
           <a:p>
             <a:fld id="{801CA6A5-1784-442B-9DD7-C2A95A754E6F}" type="slidenum">
               <a:rPr lang="en-US" smtClean="0"/>
-              <a:t>10</a:t>
+              <a:t>11</a:t>
             </a:fld>
             <a:endParaRPr lang="en-US"/>
           </a:p>
@@ -980,7 +981,7 @@
           <a:p>
             <a:fld id="{801CA6A5-1784-442B-9DD7-C2A95A754E6F}" type="slidenum">
               <a:rPr lang="en-US" smtClean="0"/>
-              <a:t>11</a:t>
+              <a:t>12</a:t>
             </a:fld>
             <a:endParaRPr lang="en-US"/>
           </a:p>
@@ -1088,7 +1089,7 @@
           <a:p>
             <a:fld id="{801CA6A5-1784-442B-9DD7-C2A95A754E6F}" type="slidenum">
               <a:rPr lang="en-US" smtClean="0"/>
-              <a:t>14</a:t>
+              <a:t>15</a:t>
             </a:fld>
             <a:endParaRPr lang="en-US"/>
           </a:p>
@@ -1196,7 +1197,7 @@
           <a:p>
             <a:fld id="{801CA6A5-1784-442B-9DD7-C2A95A754E6F}" type="slidenum">
               <a:rPr lang="en-US" smtClean="0"/>
-              <a:t>15</a:t>
+              <a:t>16</a:t>
             </a:fld>
             <a:endParaRPr lang="en-US"/>
           </a:p>
@@ -1304,7 +1305,7 @@
           <a:p>
             <a:fld id="{801CA6A5-1784-442B-9DD7-C2A95A754E6F}" type="slidenum">
               <a:rPr lang="en-US" smtClean="0"/>
-              <a:t>16</a:t>
+              <a:t>17</a:t>
             </a:fld>
             <a:endParaRPr lang="en-US"/>
           </a:p>
@@ -23579,6 +23580,360 @@
         <p:cNvPr id="1" name="">
           <a:extLst>
             <a:ext uri="{FF2B5EF4-FFF2-40B4-BE49-F238E27FC236}">
+              <a16:creationId xmlns:a16="http://schemas.microsoft.com/office/drawing/2014/main" id="{E25DB8A7-4F0A-2777-CD98-66EA2DE6A5D8}"/>
+            </a:ext>
+          </a:extLst>
+        </p:cNvPr>
+        <p:cNvGrpSpPr/>
+        <p:nvPr/>
+      </p:nvGrpSpPr>
+      <p:grpSpPr>
+        <a:xfrm>
+          <a:off x="0" y="0"/>
+          <a:ext cx="0" cy="0"/>
+          <a:chOff x="0" y="0"/>
+          <a:chExt cx="0" cy="0"/>
+        </a:xfrm>
+      </p:grpSpPr>
+      <p:sp>
+        <p:nvSpPr>
+          <p:cNvPr id="2" name="Slide Number Placeholder 1">
+            <a:extLst>
+              <a:ext uri="{FF2B5EF4-FFF2-40B4-BE49-F238E27FC236}">
+                <a16:creationId xmlns:a16="http://schemas.microsoft.com/office/drawing/2014/main" id="{FFC4A925-52FA-2041-AC93-C466C2C4BA00}"/>
+              </a:ext>
+            </a:extLst>
+          </p:cNvPr>
+          <p:cNvSpPr>
+            <a:spLocks noGrp="1"/>
+          </p:cNvSpPr>
+          <p:nvPr>
+            <p:ph type="sldNum" sz="quarter" idx="12"/>
+          </p:nvPr>
+        </p:nvSpPr>
+        <p:spPr/>
+        <p:txBody>
+          <a:bodyPr/>
+          <a:lstStyle/>
+          <a:p>
+            <a:fld id="{02880FD5-7C25-49F0-9A4C-3959F7F4874F}" type="slidenum">
+              <a:rPr lang="en-US" smtClean="0"/>
+              <a:t>10</a:t>
+            </a:fld>
+            <a:endParaRPr lang="en-US"/>
+          </a:p>
+        </p:txBody>
+      </p:sp>
+      <p:sp>
+        <p:nvSpPr>
+          <p:cNvPr id="3" name="Title 2">
+            <a:extLst>
+              <a:ext uri="{FF2B5EF4-FFF2-40B4-BE49-F238E27FC236}">
+                <a16:creationId xmlns:a16="http://schemas.microsoft.com/office/drawing/2014/main" id="{30314F4A-908D-CF40-E8E3-E55489E088A7}"/>
+              </a:ext>
+            </a:extLst>
+          </p:cNvPr>
+          <p:cNvSpPr>
+            <a:spLocks noGrp="1"/>
+          </p:cNvSpPr>
+          <p:nvPr>
+            <p:ph type="title"/>
+          </p:nvPr>
+        </p:nvSpPr>
+        <p:spPr/>
+        <p:txBody>
+          <a:bodyPr/>
+          <a:lstStyle/>
+          <a:p>
+            <a:r>
+              <a:rPr lang="en-US" dirty="0"/>
+              <a:t>Introduction to Hydra</a:t>
+            </a:r>
+          </a:p>
+        </p:txBody>
+      </p:sp>
+      <p:sp>
+        <p:nvSpPr>
+          <p:cNvPr id="4" name="Content Placeholder 3">
+            <a:extLst>
+              <a:ext uri="{FF2B5EF4-FFF2-40B4-BE49-F238E27FC236}">
+                <a16:creationId xmlns:a16="http://schemas.microsoft.com/office/drawing/2014/main" id="{E609F65B-F3A9-DBCD-197A-343DDC53D26A}"/>
+              </a:ext>
+            </a:extLst>
+          </p:cNvPr>
+          <p:cNvSpPr>
+            <a:spLocks noGrp="1"/>
+          </p:cNvSpPr>
+          <p:nvPr>
+            <p:ph idx="1"/>
+          </p:nvPr>
+        </p:nvSpPr>
+        <p:spPr>
+          <a:xfrm>
+            <a:off x="694943" y="2336719"/>
+            <a:ext cx="6821591" cy="4550545"/>
+          </a:xfrm>
+        </p:spPr>
+        <p:txBody>
+          <a:bodyPr/>
+          <a:lstStyle/>
+          <a:p>
+            <a:r>
+              <a:rPr lang="en-US" b="1" dirty="0"/>
+              <a:t>Overview</a:t>
+            </a:r>
+          </a:p>
+          <a:p>
+            <a:pPr marL="285750" indent="-285750">
+              <a:buFont typeface="Arial" panose="020B0604020202020204" pitchFamily="34" charset="0"/>
+              <a:buChar char="•"/>
+            </a:pPr>
+            <a:r>
+              <a:rPr lang="en-US" dirty="0"/>
+              <a:t>Developed at Meta for managing Machine Learning configurations</a:t>
+            </a:r>
+          </a:p>
+          <a:p>
+            <a:pPr marL="285750" indent="-285750">
+              <a:buFont typeface="Arial" panose="020B0604020202020204" pitchFamily="34" charset="0"/>
+              <a:buChar char="•"/>
+            </a:pPr>
+            <a:r>
+              <a:rPr lang="en-US" dirty="0"/>
+              <a:t>Uses </a:t>
+            </a:r>
+            <a:r>
+              <a:rPr lang="en-US" dirty="0" err="1"/>
+              <a:t>yaml</a:t>
+            </a:r>
+            <a:r>
+              <a:rPr lang="en-US" dirty="0"/>
+              <a:t> files and the cli to compose configuration dynamically</a:t>
+            </a:r>
+          </a:p>
+          <a:p>
+            <a:pPr marL="742950" lvl="1" indent="-285750"/>
+            <a:r>
+              <a:rPr lang="en-US" dirty="0"/>
+              <a:t>Hierarchical configurations</a:t>
+            </a:r>
+          </a:p>
+          <a:p>
+            <a:pPr marL="742950" lvl="1" indent="-285750"/>
+            <a:r>
+              <a:rPr lang="en-US" dirty="0"/>
+              <a:t>Composable from multiple input files</a:t>
+            </a:r>
+          </a:p>
+          <a:p>
+            <a:pPr marL="742950" lvl="1" indent="-285750"/>
+            <a:r>
+              <a:rPr lang="en-US" dirty="0"/>
+              <a:t>Layer application and user-provided configs</a:t>
+            </a:r>
+          </a:p>
+          <a:p>
+            <a:pPr marL="742950" lvl="1" indent="-285750"/>
+            <a:r>
+              <a:rPr lang="en-US" dirty="0"/>
+              <a:t>Integrated with env variables</a:t>
+            </a:r>
+          </a:p>
+          <a:p>
+            <a:pPr marL="742950" lvl="1" indent="-285750"/>
+            <a:r>
+              <a:rPr lang="en-US" dirty="0"/>
+              <a:t>Produces a python dictionary</a:t>
+            </a:r>
+          </a:p>
+          <a:p>
+            <a:pPr marL="285750" indent="-285750">
+              <a:buFont typeface="Arial" panose="020B0604020202020204" pitchFamily="34" charset="0"/>
+              <a:buChar char="•"/>
+            </a:pPr>
+            <a:r>
+              <a:rPr lang="en-US" dirty="0"/>
+              <a:t>Construct objects from the config with “</a:t>
+            </a:r>
+            <a:r>
+              <a:rPr lang="en-US" dirty="0" err="1"/>
+              <a:t>hydra.utils.instantiate</a:t>
+            </a:r>
+            <a:r>
+              <a:rPr lang="en-US" dirty="0"/>
+              <a:t>”</a:t>
+            </a:r>
+          </a:p>
+          <a:p>
+            <a:pPr marL="742950" lvl="1" indent="-285750"/>
+            <a:r>
+              <a:rPr lang="en-US" dirty="0"/>
+              <a:t>This is important for our use case!</a:t>
+            </a:r>
+          </a:p>
+          <a:p>
+            <a:pPr marL="742950" lvl="1" indent="-285750"/>
+            <a:endParaRPr lang="en-US" dirty="0"/>
+          </a:p>
+          <a:p>
+            <a:pPr marL="285750" indent="-285750"/>
+            <a:r>
+              <a:rPr lang="en-US" b="1" dirty="0"/>
+              <a:t>Why use Hydra for DI?</a:t>
+            </a:r>
+            <a:endParaRPr lang="en-US" dirty="0"/>
+          </a:p>
+          <a:p>
+            <a:pPr marL="285750" indent="-285750">
+              <a:buFont typeface="Arial" panose="020B0604020202020204" pitchFamily="34" charset="0"/>
+              <a:buChar char="•"/>
+            </a:pPr>
+            <a:r>
+              <a:rPr lang="en-US" dirty="0"/>
+              <a:t>No need to write boilerplate code for object construction</a:t>
+            </a:r>
+          </a:p>
+          <a:p>
+            <a:pPr marL="285750" indent="-285750">
+              <a:buFont typeface="Arial" panose="020B0604020202020204" pitchFamily="34" charset="0"/>
+              <a:buChar char="•"/>
+            </a:pPr>
+            <a:r>
+              <a:rPr lang="en-US" dirty="0"/>
+              <a:t>“Config groups” allow for switching between the configs</a:t>
+            </a:r>
+          </a:p>
+          <a:p>
+            <a:pPr marL="285750" indent="-285750">
+              <a:buFont typeface="Arial" panose="020B0604020202020204" pitchFamily="34" charset="0"/>
+              <a:buChar char="•"/>
+            </a:pPr>
+            <a:r>
+              <a:rPr lang="en-US" dirty="0"/>
+              <a:t>… can use any framework that maps “configuration” (file, database, </a:t>
+            </a:r>
+            <a:r>
+              <a:rPr lang="en-US" dirty="0" err="1"/>
+              <a:t>etc</a:t>
+            </a:r>
+            <a:r>
+              <a:rPr lang="en-US" dirty="0"/>
+              <a:t>) into a nested dictionary</a:t>
+            </a:r>
+          </a:p>
+          <a:p>
+            <a:endParaRPr lang="en-US" dirty="0"/>
+          </a:p>
+          <a:p>
+            <a:pPr marL="742950" lvl="1" indent="-285750"/>
+            <a:endParaRPr lang="en-US" dirty="0"/>
+          </a:p>
+          <a:p>
+            <a:pPr marL="742950" lvl="1" indent="-285750"/>
+            <a:endParaRPr lang="en-US" dirty="0"/>
+          </a:p>
+          <a:p>
+            <a:pPr marL="742950" lvl="1" indent="-285750"/>
+            <a:endParaRPr lang="en-US" dirty="0"/>
+          </a:p>
+        </p:txBody>
+      </p:sp>
+      <p:sp>
+        <p:nvSpPr>
+          <p:cNvPr id="5" name="Content Placeholder 4">
+            <a:extLst>
+              <a:ext uri="{FF2B5EF4-FFF2-40B4-BE49-F238E27FC236}">
+                <a16:creationId xmlns:a16="http://schemas.microsoft.com/office/drawing/2014/main" id="{197EC30E-8AD1-971B-3F49-ABF1247C47DB}"/>
+              </a:ext>
+            </a:extLst>
+          </p:cNvPr>
+          <p:cNvSpPr>
+            <a:spLocks noGrp="1"/>
+          </p:cNvSpPr>
+          <p:nvPr>
+            <p:ph sz="quarter" idx="14"/>
+          </p:nvPr>
+        </p:nvSpPr>
+        <p:spPr/>
+        <p:txBody>
+          <a:bodyPr anchor="ctr"/>
+          <a:lstStyle/>
+          <a:p>
+            <a:r>
+              <a:rPr lang="en-US" dirty="0"/>
+              <a:t>Hydra is a framework for elegantly configuring complex applications</a:t>
+            </a:r>
+          </a:p>
+        </p:txBody>
+      </p:sp>
+      <p:pic>
+        <p:nvPicPr>
+          <p:cNvPr id="5122" name="Picture 2" descr="GitHub - facebookresearch/hydra: Hydra is a framework for elegantly  configuring complex applications">
+            <a:extLst>
+              <a:ext uri="{FF2B5EF4-FFF2-40B4-BE49-F238E27FC236}">
+                <a16:creationId xmlns:a16="http://schemas.microsoft.com/office/drawing/2014/main" id="{306399A4-61AA-D2A9-DDC6-1195A5461B3C}"/>
+              </a:ext>
+            </a:extLst>
+          </p:cNvPr>
+          <p:cNvPicPr>
+            <a:picLocks noChangeAspect="1" noChangeArrowheads="1"/>
+          </p:cNvPicPr>
+          <p:nvPr/>
+        </p:nvPicPr>
+        <p:blipFill>
+          <a:blip r:embed="rId2">
+            <a:extLst>
+              <a:ext uri="{28A0092B-C50C-407E-A947-70E740481C1C}">
+                <a14:useLocalDpi xmlns:a14="http://schemas.microsoft.com/office/drawing/2010/main" val="0"/>
+              </a:ext>
+            </a:extLst>
+          </a:blip>
+          <a:srcRect/>
+          <a:stretch>
+            <a:fillRect/>
+          </a:stretch>
+        </p:blipFill>
+        <p:spPr bwMode="auto">
+          <a:xfrm>
+            <a:off x="8713263" y="2659493"/>
+            <a:ext cx="5402318" cy="2701159"/>
+          </a:xfrm>
+          <a:prstGeom prst="rect">
+            <a:avLst/>
+          </a:prstGeom>
+          <a:noFill/>
+          <a:extLst>
+            <a:ext uri="{909E8E84-426E-40DD-AFC4-6F175D3DCCD1}">
+              <a14:hiddenFill xmlns:a14="http://schemas.microsoft.com/office/drawing/2010/main">
+                <a:solidFill>
+                  <a:srgbClr val="FFFFFF"/>
+                </a:solidFill>
+              </a14:hiddenFill>
+            </a:ext>
+          </a:extLst>
+        </p:spPr>
+      </p:pic>
+    </p:spTree>
+    <p:extLst>
+      <p:ext uri="{BB962C8B-B14F-4D97-AF65-F5344CB8AC3E}">
+        <p14:creationId xmlns:p14="http://schemas.microsoft.com/office/powerpoint/2010/main" val="4173880503"/>
+      </p:ext>
+    </p:extLst>
+  </p:cSld>
+  <p:clrMapOvr>
+    <a:masterClrMapping/>
+  </p:clrMapOvr>
+</p:sld>
+</file>
+
+<file path=ppt/slides/slide11.xml><?xml version="1.0" encoding="utf-8"?>
+<p:sld xmlns:a="http://schemas.openxmlformats.org/drawingml/2006/main" xmlns:r="http://schemas.openxmlformats.org/officeDocument/2006/relationships" xmlns:p="http://schemas.openxmlformats.org/presentationml/2006/main">
+  <p:cSld>
+    <p:spTree>
+      <p:nvGrpSpPr>
+        <p:cNvPr id="1" name="">
+          <a:extLst>
+            <a:ext uri="{FF2B5EF4-FFF2-40B4-BE49-F238E27FC236}">
               <a16:creationId xmlns:a16="http://schemas.microsoft.com/office/drawing/2014/main" id="{56F031E7-BAE9-C8B9-D8A3-1F9363CCA219}"/>
             </a:ext>
           </a:extLst>
@@ -23617,7 +23972,7 @@
           <a:p>
             <a:fld id="{02880FD5-7C25-49F0-9A4C-3959F7F4874F}" type="slidenum">
               <a:rPr lang="en-US" smtClean="0"/>
-              <a:t>10</a:t>
+              <a:t>11</a:t>
             </a:fld>
             <a:endParaRPr lang="en-US"/>
           </a:p>
@@ -25891,7 +26246,7 @@
 </p:sld>
 </file>
 
-<file path=ppt/slides/slide11.xml><?xml version="1.0" encoding="utf-8"?>
+<file path=ppt/slides/slide12.xml><?xml version="1.0" encoding="utf-8"?>
 <p:sld xmlns:a="http://schemas.openxmlformats.org/drawingml/2006/main" xmlns:r="http://schemas.openxmlformats.org/officeDocument/2006/relationships" xmlns:p="http://schemas.openxmlformats.org/presentationml/2006/main">
   <p:cSld>
     <p:spTree>
@@ -25937,7 +26292,7 @@
           <a:p>
             <a:fld id="{02880FD5-7C25-49F0-9A4C-3959F7F4874F}" type="slidenum">
               <a:rPr lang="en-US" smtClean="0"/>
-              <a:t>11</a:t>
+              <a:t>12</a:t>
             </a:fld>
             <a:endParaRPr lang="en-US"/>
           </a:p>
@@ -28508,7 +28863,7 @@
 </p:sld>
 </file>
 
-<file path=ppt/slides/slide12.xml><?xml version="1.0" encoding="utf-8"?>
+<file path=ppt/slides/slide13.xml><?xml version="1.0" encoding="utf-8"?>
 <p:sld xmlns:a="http://schemas.openxmlformats.org/drawingml/2006/main" xmlns:r="http://schemas.openxmlformats.org/officeDocument/2006/relationships" xmlns:p="http://schemas.openxmlformats.org/presentationml/2006/main">
   <p:cSld>
     <p:spTree>
@@ -28554,7 +28909,7 @@
           <a:p>
             <a:fld id="{02880FD5-7C25-49F0-9A4C-3959F7F4874F}" type="slidenum">
               <a:rPr lang="en-US" smtClean="0"/>
-              <a:t>12</a:t>
+              <a:t>13</a:t>
             </a:fld>
             <a:endParaRPr lang="en-US"/>
           </a:p>
@@ -28855,7 +29210,7 @@
 </p:sld>
 </file>
 
-<file path=ppt/slides/slide13.xml><?xml version="1.0" encoding="utf-8"?>
+<file path=ppt/slides/slide14.xml><?xml version="1.0" encoding="utf-8"?>
 <p:sld xmlns:a="http://schemas.openxmlformats.org/drawingml/2006/main" xmlns:r="http://schemas.openxmlformats.org/officeDocument/2006/relationships" xmlns:p="http://schemas.openxmlformats.org/presentationml/2006/main">
   <p:cSld>
     <p:spTree>
@@ -28895,7 +29250,7 @@
           <a:p>
             <a:fld id="{02880FD5-7C25-49F0-9A4C-3959F7F4874F}" type="slidenum">
               <a:rPr lang="en-US" smtClean="0"/>
-              <a:t>13</a:t>
+              <a:t>14</a:t>
             </a:fld>
             <a:endParaRPr lang="en-US"/>
           </a:p>
@@ -29125,7 +29480,7 @@
 </p:sld>
 </file>
 
-<file path=ppt/slides/slide14.xml><?xml version="1.0" encoding="utf-8"?>
+<file path=ppt/slides/slide15.xml><?xml version="1.0" encoding="utf-8"?>
 <p:sld xmlns:a="http://schemas.openxmlformats.org/drawingml/2006/main" xmlns:r="http://schemas.openxmlformats.org/officeDocument/2006/relationships" xmlns:p="http://schemas.openxmlformats.org/presentationml/2006/main">
   <p:cSld>
     <p:spTree>
@@ -29171,7 +29526,7 @@
           <a:p>
             <a:fld id="{02880FD5-7C25-49F0-9A4C-3959F7F4874F}" type="slidenum">
               <a:rPr lang="en-US" smtClean="0"/>
-              <a:t>14</a:t>
+              <a:t>15</a:t>
             </a:fld>
             <a:endParaRPr lang="en-US"/>
           </a:p>
@@ -32707,7 +33062,7 @@
 </p:sld>
 </file>
 
-<file path=ppt/slides/slide15.xml><?xml version="1.0" encoding="utf-8"?>
+<file path=ppt/slides/slide16.xml><?xml version="1.0" encoding="utf-8"?>
 <p:sld xmlns:a="http://schemas.openxmlformats.org/drawingml/2006/main" xmlns:r="http://schemas.openxmlformats.org/officeDocument/2006/relationships" xmlns:p="http://schemas.openxmlformats.org/presentationml/2006/main">
   <p:cSld>
     <p:spTree>
@@ -32753,7 +33108,7 @@
           <a:p>
             <a:fld id="{02880FD5-7C25-49F0-9A4C-3959F7F4874F}" type="slidenum">
               <a:rPr lang="en-US" smtClean="0"/>
-              <a:t>15</a:t>
+              <a:t>16</a:t>
             </a:fld>
             <a:endParaRPr lang="en-US"/>
           </a:p>
@@ -35836,7 +36191,7 @@
 </p:sld>
 </file>
 
-<file path=ppt/slides/slide16.xml><?xml version="1.0" encoding="utf-8"?>
+<file path=ppt/slides/slide17.xml><?xml version="1.0" encoding="utf-8"?>
 <p:sld xmlns:a="http://schemas.openxmlformats.org/drawingml/2006/main" xmlns:r="http://schemas.openxmlformats.org/officeDocument/2006/relationships" xmlns:p="http://schemas.openxmlformats.org/presentationml/2006/main">
   <p:cSld>
     <p:spTree>
@@ -35882,7 +36237,7 @@
           <a:p>
             <a:fld id="{02880FD5-7C25-49F0-9A4C-3959F7F4874F}" type="slidenum">
               <a:rPr lang="en-US" smtClean="0"/>
-              <a:t>16</a:t>
+              <a:t>17</a:t>
             </a:fld>
             <a:endParaRPr lang="en-US"/>
           </a:p>
@@ -38594,7 +38949,7 @@
 </p:sld>
 </file>
 
-<file path=ppt/slides/slide17.xml><?xml version="1.0" encoding="utf-8"?>
+<file path=ppt/slides/slide18.xml><?xml version="1.0" encoding="utf-8"?>
 <p:sld xmlns:a="http://schemas.openxmlformats.org/drawingml/2006/main" xmlns:r="http://schemas.openxmlformats.org/officeDocument/2006/relationships" xmlns:p="http://schemas.openxmlformats.org/presentationml/2006/main">
   <p:cSld>
     <p:spTree>
@@ -38640,7 +38995,7 @@
           <a:p>
             <a:fld id="{02880FD5-7C25-49F0-9A4C-3959F7F4874F}" type="slidenum">
               <a:rPr lang="en-US" smtClean="0"/>
-              <a:t>17</a:t>
+              <a:t>18</a:t>
             </a:fld>
             <a:endParaRPr lang="en-US"/>
           </a:p>
@@ -38937,7 +39292,7 @@
 </p:sld>
 </file>
 
-<file path=ppt/slides/slide18.xml><?xml version="1.0" encoding="utf-8"?>
+<file path=ppt/slides/slide19.xml><?xml version="1.0" encoding="utf-8"?>
 <p:sld xmlns:a="http://schemas.openxmlformats.org/drawingml/2006/main" xmlns:r="http://schemas.openxmlformats.org/officeDocument/2006/relationships" xmlns:p="http://schemas.openxmlformats.org/presentationml/2006/main">
   <p:cSld>
     <p:spTree>
@@ -38983,7 +39338,7 @@
           <a:p>
             <a:fld id="{02880FD5-7C25-49F0-9A4C-3959F7F4874F}" type="slidenum">
               <a:rPr lang="en-US" smtClean="0"/>
-              <a:t>18</a:t>
+              <a:t>19</a:t>
             </a:fld>
             <a:endParaRPr lang="en-US"/>
           </a:p>
@@ -39846,6 +40201,111 @@
 </file>
 
 <file path=ppt/slides/slide2.xml><?xml version="1.0" encoding="utf-8"?>
+<p:sld xmlns:a="http://schemas.openxmlformats.org/drawingml/2006/main" xmlns:r="http://schemas.openxmlformats.org/officeDocument/2006/relationships" xmlns:p="http://schemas.openxmlformats.org/presentationml/2006/main">
+  <p:cSld>
+    <p:spTree>
+      <p:nvGrpSpPr>
+        <p:cNvPr id="1" name=""/>
+        <p:cNvGrpSpPr/>
+        <p:nvPr/>
+      </p:nvGrpSpPr>
+      <p:grpSpPr>
+        <a:xfrm>
+          <a:off x="0" y="0"/>
+          <a:ext cx="0" cy="0"/>
+          <a:chOff x="0" y="0"/>
+          <a:chExt cx="0" cy="0"/>
+        </a:xfrm>
+      </p:grpSpPr>
+      <p:sp>
+        <p:nvSpPr>
+          <p:cNvPr id="3" name="Subtitle 2">
+            <a:extLst>
+              <a:ext uri="{FF2B5EF4-FFF2-40B4-BE49-F238E27FC236}">
+                <a16:creationId xmlns:a16="http://schemas.microsoft.com/office/drawing/2014/main" id="{53D6DA42-5624-91E6-A0FE-27172D5099B2}"/>
+              </a:ext>
+            </a:extLst>
+          </p:cNvPr>
+          <p:cNvSpPr>
+            <a:spLocks noGrp="1"/>
+          </p:cNvSpPr>
+          <p:nvPr>
+            <p:ph type="subTitle" idx="1"/>
+          </p:nvPr>
+        </p:nvSpPr>
+        <p:spPr>
+          <a:xfrm>
+            <a:off x="694943" y="5486399"/>
+            <a:ext cx="8790433" cy="1551915"/>
+          </a:xfrm>
+        </p:spPr>
+        <p:txBody>
+          <a:bodyPr/>
+          <a:lstStyle/>
+          <a:p>
+            <a:r>
+              <a:rPr lang="en-US" dirty="0">
+                <a:hlinkClick r:id="rId2"/>
+              </a:rPr>
+              <a:t>https://github.com/ptomecek/pycon2025/blob/main/PyCon%202025.pptx</a:t>
+            </a:r>
+            <a:endParaRPr lang="en-US" dirty="0"/>
+          </a:p>
+          <a:p>
+            <a:endParaRPr lang="en-US" dirty="0"/>
+          </a:p>
+        </p:txBody>
+      </p:sp>
+      <p:pic>
+        <p:nvPicPr>
+          <p:cNvPr id="5" name="Picture 4" descr="A qr code with dots&#10;&#10;AI-generated content may be incorrect.">
+            <a:extLst>
+              <a:ext uri="{FF2B5EF4-FFF2-40B4-BE49-F238E27FC236}">
+                <a16:creationId xmlns:a16="http://schemas.microsoft.com/office/drawing/2014/main" id="{122EA53A-072C-4732-EA07-F12C70737F25}"/>
+              </a:ext>
+            </a:extLst>
+          </p:cNvPr>
+          <p:cNvPicPr>
+            <a:picLocks noChangeAspect="1"/>
+          </p:cNvPicPr>
+          <p:nvPr/>
+        </p:nvPicPr>
+        <p:blipFill>
+          <a:blip r:embed="rId3">
+            <a:extLst>
+              <a:ext uri="{28A0092B-C50C-407E-A947-70E740481C1C}">
+                <a14:useLocalDpi xmlns:a14="http://schemas.microsoft.com/office/drawing/2010/main" val="0"/>
+              </a:ext>
+            </a:extLst>
+          </a:blip>
+          <a:stretch>
+            <a:fillRect/>
+          </a:stretch>
+        </p:blipFill>
+        <p:spPr>
+          <a:xfrm>
+            <a:off x="3482981" y="2272043"/>
+            <a:ext cx="3214356" cy="3214356"/>
+          </a:xfrm>
+          <a:prstGeom prst="rect">
+            <a:avLst/>
+          </a:prstGeom>
+        </p:spPr>
+      </p:pic>
+    </p:spTree>
+    <p:extLst>
+      <p:ext uri="{BB962C8B-B14F-4D97-AF65-F5344CB8AC3E}">
+        <p14:creationId xmlns:p14="http://schemas.microsoft.com/office/powerpoint/2010/main" val="1970218064"/>
+      </p:ext>
+    </p:extLst>
+  </p:cSld>
+  <p:clrMapOvr>
+    <a:masterClrMapping/>
+  </p:clrMapOvr>
+</p:sld>
+</file>
+
+<file path=ppt/slides/slide3.xml><?xml version="1.0" encoding="utf-8"?>
 <p:sld xmlns:a="http://schemas.openxmlformats.org/drawingml/2006/main" xmlns:r="http://schemas.openxmlformats.org/officeDocument/2006/relationships" xmlns:p="http://schemas.openxmlformats.org/presentationml/2006/main">
   <p:cSld>
     <p:spTree>
@@ -39941,7 +40401,7 @@
             <a:fld id="{02880FD5-7C25-49F0-9A4C-3959F7F4874F}" type="slidenum">
               <a:rPr lang="en-US" smtClean="0"/>
               <a:pPr/>
-              <a:t>2</a:t>
+              <a:t>3</a:t>
             </a:fld>
             <a:endParaRPr lang="en-US" dirty="0"/>
           </a:p>
@@ -40197,7 +40657,7 @@
 </p:sld>
 </file>
 
-<file path=ppt/slides/slide3.xml><?xml version="1.0" encoding="utf-8"?>
+<file path=ppt/slides/slide4.xml><?xml version="1.0" encoding="utf-8"?>
 <p:sld xmlns:a="http://schemas.openxmlformats.org/drawingml/2006/main" xmlns:r="http://schemas.openxmlformats.org/officeDocument/2006/relationships" xmlns:p="http://schemas.openxmlformats.org/presentationml/2006/main">
   <p:cSld>
     <p:spTree>
@@ -40243,7 +40703,7 @@
           <a:p>
             <a:fld id="{02880FD5-7C25-49F0-9A4C-3959F7F4874F}" type="slidenum">
               <a:rPr lang="en-US" smtClean="0"/>
-              <a:t>3</a:t>
+              <a:t>4</a:t>
             </a:fld>
             <a:endParaRPr lang="en-US"/>
           </a:p>
@@ -40859,7 +41319,7 @@
 </p:sld>
 </file>
 
-<file path=ppt/slides/slide4.xml><?xml version="1.0" encoding="utf-8"?>
+<file path=ppt/slides/slide5.xml><?xml version="1.0" encoding="utf-8"?>
 <p:sld xmlns:a="http://schemas.openxmlformats.org/drawingml/2006/main" xmlns:r="http://schemas.openxmlformats.org/officeDocument/2006/relationships" xmlns:p="http://schemas.openxmlformats.org/presentationml/2006/main">
   <p:cSld>
     <p:spTree>
@@ -40905,7 +41365,7 @@
           <a:p>
             <a:fld id="{02880FD5-7C25-49F0-9A4C-3959F7F4874F}" type="slidenum">
               <a:rPr lang="en-US" smtClean="0"/>
-              <a:t>4</a:t>
+              <a:t>5</a:t>
             </a:fld>
             <a:endParaRPr lang="en-US"/>
           </a:p>
@@ -41949,7 +42409,7 @@
 </p:sld>
 </file>
 
-<file path=ppt/slides/slide5.xml><?xml version="1.0" encoding="utf-8"?>
+<file path=ppt/slides/slide6.xml><?xml version="1.0" encoding="utf-8"?>
 <p:sld xmlns:a="http://schemas.openxmlformats.org/drawingml/2006/main" xmlns:r="http://schemas.openxmlformats.org/officeDocument/2006/relationships" xmlns:p="http://schemas.openxmlformats.org/presentationml/2006/main">
   <p:cSld>
     <p:spTree>
@@ -41995,7 +42455,7 @@
           <a:p>
             <a:fld id="{02880FD5-7C25-49F0-9A4C-3959F7F4874F}" type="slidenum">
               <a:rPr lang="en-US" smtClean="0"/>
-              <a:t>5</a:t>
+              <a:t>6</a:t>
             </a:fld>
             <a:endParaRPr lang="en-US"/>
           </a:p>
@@ -43493,7 +43953,7 @@
 </p:sld>
 </file>
 
-<file path=ppt/slides/slide6.xml><?xml version="1.0" encoding="utf-8"?>
+<file path=ppt/slides/slide7.xml><?xml version="1.0" encoding="utf-8"?>
 <p:sld xmlns:a="http://schemas.openxmlformats.org/drawingml/2006/main" xmlns:r="http://schemas.openxmlformats.org/officeDocument/2006/relationships" xmlns:p="http://schemas.openxmlformats.org/presentationml/2006/main">
   <p:cSld>
     <p:spTree>
@@ -43539,7 +43999,7 @@
           <a:p>
             <a:fld id="{02880FD5-7C25-49F0-9A4C-3959F7F4874F}" type="slidenum">
               <a:rPr lang="en-US" smtClean="0"/>
-              <a:t>6</a:t>
+              <a:t>7</a:t>
             </a:fld>
             <a:endParaRPr lang="en-US"/>
           </a:p>
@@ -45536,7 +45996,7 @@
 </p:sld>
 </file>
 
-<file path=ppt/slides/slide7.xml><?xml version="1.0" encoding="utf-8"?>
+<file path=ppt/slides/slide8.xml><?xml version="1.0" encoding="utf-8"?>
 <p:sld xmlns:a="http://schemas.openxmlformats.org/drawingml/2006/main" xmlns:r="http://schemas.openxmlformats.org/officeDocument/2006/relationships" xmlns:p="http://schemas.openxmlformats.org/presentationml/2006/main">
   <p:cSld>
     <p:spTree>
@@ -45582,7 +46042,7 @@
           <a:p>
             <a:fld id="{02880FD5-7C25-49F0-9A4C-3959F7F4874F}" type="slidenum">
               <a:rPr lang="en-US" smtClean="0"/>
-              <a:t>7</a:t>
+              <a:t>8</a:t>
             </a:fld>
             <a:endParaRPr lang="en-US"/>
           </a:p>
@@ -45900,7 +46360,7 @@
 </p:sld>
 </file>
 
-<file path=ppt/slides/slide8.xml><?xml version="1.0" encoding="utf-8"?>
+<file path=ppt/slides/slide9.xml><?xml version="1.0" encoding="utf-8"?>
 <p:sld xmlns:a="http://schemas.openxmlformats.org/drawingml/2006/main" xmlns:r="http://schemas.openxmlformats.org/officeDocument/2006/relationships" xmlns:p="http://schemas.openxmlformats.org/presentationml/2006/main">
   <p:cSld>
     <p:spTree>
@@ -45940,7 +46400,7 @@
           <a:p>
             <a:fld id="{02880FD5-7C25-49F0-9A4C-3959F7F4874F}" type="slidenum">
               <a:rPr lang="en-US" smtClean="0"/>
-              <a:t>8</a:t>
+              <a:t>9</a:t>
             </a:fld>
             <a:endParaRPr lang="en-US"/>
           </a:p>
@@ -49889,360 +50349,6 @@
     <p:extLst>
       <p:ext uri="{BB962C8B-B14F-4D97-AF65-F5344CB8AC3E}">
         <p14:creationId xmlns:p14="http://schemas.microsoft.com/office/powerpoint/2010/main" val="3028695016"/>
-      </p:ext>
-    </p:extLst>
-  </p:cSld>
-  <p:clrMapOvr>
-    <a:masterClrMapping/>
-  </p:clrMapOvr>
-</p:sld>
-</file>
-
-<file path=ppt/slides/slide9.xml><?xml version="1.0" encoding="utf-8"?>
-<p:sld xmlns:a="http://schemas.openxmlformats.org/drawingml/2006/main" xmlns:r="http://schemas.openxmlformats.org/officeDocument/2006/relationships" xmlns:p="http://schemas.openxmlformats.org/presentationml/2006/main">
-  <p:cSld>
-    <p:spTree>
-      <p:nvGrpSpPr>
-        <p:cNvPr id="1" name="">
-          <a:extLst>
-            <a:ext uri="{FF2B5EF4-FFF2-40B4-BE49-F238E27FC236}">
-              <a16:creationId xmlns:a16="http://schemas.microsoft.com/office/drawing/2014/main" id="{E25DB8A7-4F0A-2777-CD98-66EA2DE6A5D8}"/>
-            </a:ext>
-          </a:extLst>
-        </p:cNvPr>
-        <p:cNvGrpSpPr/>
-        <p:nvPr/>
-      </p:nvGrpSpPr>
-      <p:grpSpPr>
-        <a:xfrm>
-          <a:off x="0" y="0"/>
-          <a:ext cx="0" cy="0"/>
-          <a:chOff x="0" y="0"/>
-          <a:chExt cx="0" cy="0"/>
-        </a:xfrm>
-      </p:grpSpPr>
-      <p:sp>
-        <p:nvSpPr>
-          <p:cNvPr id="2" name="Slide Number Placeholder 1">
-            <a:extLst>
-              <a:ext uri="{FF2B5EF4-FFF2-40B4-BE49-F238E27FC236}">
-                <a16:creationId xmlns:a16="http://schemas.microsoft.com/office/drawing/2014/main" id="{FFC4A925-52FA-2041-AC93-C466C2C4BA00}"/>
-              </a:ext>
-            </a:extLst>
-          </p:cNvPr>
-          <p:cNvSpPr>
-            <a:spLocks noGrp="1"/>
-          </p:cNvSpPr>
-          <p:nvPr>
-            <p:ph type="sldNum" sz="quarter" idx="12"/>
-          </p:nvPr>
-        </p:nvSpPr>
-        <p:spPr/>
-        <p:txBody>
-          <a:bodyPr/>
-          <a:lstStyle/>
-          <a:p>
-            <a:fld id="{02880FD5-7C25-49F0-9A4C-3959F7F4874F}" type="slidenum">
-              <a:rPr lang="en-US" smtClean="0"/>
-              <a:t>9</a:t>
-            </a:fld>
-            <a:endParaRPr lang="en-US"/>
-          </a:p>
-        </p:txBody>
-      </p:sp>
-      <p:sp>
-        <p:nvSpPr>
-          <p:cNvPr id="3" name="Title 2">
-            <a:extLst>
-              <a:ext uri="{FF2B5EF4-FFF2-40B4-BE49-F238E27FC236}">
-                <a16:creationId xmlns:a16="http://schemas.microsoft.com/office/drawing/2014/main" id="{30314F4A-908D-CF40-E8E3-E55489E088A7}"/>
-              </a:ext>
-            </a:extLst>
-          </p:cNvPr>
-          <p:cNvSpPr>
-            <a:spLocks noGrp="1"/>
-          </p:cNvSpPr>
-          <p:nvPr>
-            <p:ph type="title"/>
-          </p:nvPr>
-        </p:nvSpPr>
-        <p:spPr/>
-        <p:txBody>
-          <a:bodyPr/>
-          <a:lstStyle/>
-          <a:p>
-            <a:r>
-              <a:rPr lang="en-US" dirty="0"/>
-              <a:t>Introduction to Hydra</a:t>
-            </a:r>
-          </a:p>
-        </p:txBody>
-      </p:sp>
-      <p:sp>
-        <p:nvSpPr>
-          <p:cNvPr id="4" name="Content Placeholder 3">
-            <a:extLst>
-              <a:ext uri="{FF2B5EF4-FFF2-40B4-BE49-F238E27FC236}">
-                <a16:creationId xmlns:a16="http://schemas.microsoft.com/office/drawing/2014/main" id="{E609F65B-F3A9-DBCD-197A-343DDC53D26A}"/>
-              </a:ext>
-            </a:extLst>
-          </p:cNvPr>
-          <p:cNvSpPr>
-            <a:spLocks noGrp="1"/>
-          </p:cNvSpPr>
-          <p:nvPr>
-            <p:ph idx="1"/>
-          </p:nvPr>
-        </p:nvSpPr>
-        <p:spPr>
-          <a:xfrm>
-            <a:off x="694943" y="2336719"/>
-            <a:ext cx="6821591" cy="4550545"/>
-          </a:xfrm>
-        </p:spPr>
-        <p:txBody>
-          <a:bodyPr/>
-          <a:lstStyle/>
-          <a:p>
-            <a:r>
-              <a:rPr lang="en-US" b="1" dirty="0"/>
-              <a:t>Overview</a:t>
-            </a:r>
-          </a:p>
-          <a:p>
-            <a:pPr marL="285750" indent="-285750">
-              <a:buFont typeface="Arial" panose="020B0604020202020204" pitchFamily="34" charset="0"/>
-              <a:buChar char="•"/>
-            </a:pPr>
-            <a:r>
-              <a:rPr lang="en-US" dirty="0"/>
-              <a:t>Developed at Meta for managing Machine Learning configurations</a:t>
-            </a:r>
-          </a:p>
-          <a:p>
-            <a:pPr marL="285750" indent="-285750">
-              <a:buFont typeface="Arial" panose="020B0604020202020204" pitchFamily="34" charset="0"/>
-              <a:buChar char="•"/>
-            </a:pPr>
-            <a:r>
-              <a:rPr lang="en-US" dirty="0"/>
-              <a:t>Uses </a:t>
-            </a:r>
-            <a:r>
-              <a:rPr lang="en-US" dirty="0" err="1"/>
-              <a:t>yaml</a:t>
-            </a:r>
-            <a:r>
-              <a:rPr lang="en-US" dirty="0"/>
-              <a:t> files and the cli to compose configuration dynamically</a:t>
-            </a:r>
-          </a:p>
-          <a:p>
-            <a:pPr marL="742950" lvl="1" indent="-285750"/>
-            <a:r>
-              <a:rPr lang="en-US" dirty="0"/>
-              <a:t>Hierarchical configurations</a:t>
-            </a:r>
-          </a:p>
-          <a:p>
-            <a:pPr marL="742950" lvl="1" indent="-285750"/>
-            <a:r>
-              <a:rPr lang="en-US" dirty="0"/>
-              <a:t>Composable from multiple input files</a:t>
-            </a:r>
-          </a:p>
-          <a:p>
-            <a:pPr marL="742950" lvl="1" indent="-285750"/>
-            <a:r>
-              <a:rPr lang="en-US" dirty="0"/>
-              <a:t>Layer application and user-provided configs</a:t>
-            </a:r>
-          </a:p>
-          <a:p>
-            <a:pPr marL="742950" lvl="1" indent="-285750"/>
-            <a:r>
-              <a:rPr lang="en-US" dirty="0"/>
-              <a:t>Integrated with env variables</a:t>
-            </a:r>
-          </a:p>
-          <a:p>
-            <a:pPr marL="742950" lvl="1" indent="-285750"/>
-            <a:r>
-              <a:rPr lang="en-US" dirty="0"/>
-              <a:t>Produces a python dictionary</a:t>
-            </a:r>
-          </a:p>
-          <a:p>
-            <a:pPr marL="285750" indent="-285750">
-              <a:buFont typeface="Arial" panose="020B0604020202020204" pitchFamily="34" charset="0"/>
-              <a:buChar char="•"/>
-            </a:pPr>
-            <a:r>
-              <a:rPr lang="en-US" dirty="0"/>
-              <a:t>Construct objects from the config with “</a:t>
-            </a:r>
-            <a:r>
-              <a:rPr lang="en-US" dirty="0" err="1"/>
-              <a:t>hydra.utils.instantiate</a:t>
-            </a:r>
-            <a:r>
-              <a:rPr lang="en-US" dirty="0"/>
-              <a:t>”</a:t>
-            </a:r>
-          </a:p>
-          <a:p>
-            <a:pPr marL="742950" lvl="1" indent="-285750"/>
-            <a:r>
-              <a:rPr lang="en-US" dirty="0"/>
-              <a:t>This is important for our use case!</a:t>
-            </a:r>
-          </a:p>
-          <a:p>
-            <a:pPr marL="742950" lvl="1" indent="-285750"/>
-            <a:endParaRPr lang="en-US" dirty="0"/>
-          </a:p>
-          <a:p>
-            <a:pPr marL="285750" indent="-285750"/>
-            <a:r>
-              <a:rPr lang="en-US" b="1" dirty="0"/>
-              <a:t>Why use Hydra for DI?</a:t>
-            </a:r>
-            <a:endParaRPr lang="en-US" dirty="0"/>
-          </a:p>
-          <a:p>
-            <a:pPr marL="285750" indent="-285750">
-              <a:buFont typeface="Arial" panose="020B0604020202020204" pitchFamily="34" charset="0"/>
-              <a:buChar char="•"/>
-            </a:pPr>
-            <a:r>
-              <a:rPr lang="en-US" dirty="0"/>
-              <a:t>No need to write boilerplate code for object construction</a:t>
-            </a:r>
-          </a:p>
-          <a:p>
-            <a:pPr marL="285750" indent="-285750">
-              <a:buFont typeface="Arial" panose="020B0604020202020204" pitchFamily="34" charset="0"/>
-              <a:buChar char="•"/>
-            </a:pPr>
-            <a:r>
-              <a:rPr lang="en-US" dirty="0"/>
-              <a:t>“Config groups” allow for switching between the configs</a:t>
-            </a:r>
-          </a:p>
-          <a:p>
-            <a:pPr marL="285750" indent="-285750">
-              <a:buFont typeface="Arial" panose="020B0604020202020204" pitchFamily="34" charset="0"/>
-              <a:buChar char="•"/>
-            </a:pPr>
-            <a:r>
-              <a:rPr lang="en-US" dirty="0"/>
-              <a:t>… can use any framework that maps “configuration” (file, database, </a:t>
-            </a:r>
-            <a:r>
-              <a:rPr lang="en-US" dirty="0" err="1"/>
-              <a:t>etc</a:t>
-            </a:r>
-            <a:r>
-              <a:rPr lang="en-US" dirty="0"/>
-              <a:t>) into a nested dictionary</a:t>
-            </a:r>
-          </a:p>
-          <a:p>
-            <a:endParaRPr lang="en-US" dirty="0"/>
-          </a:p>
-          <a:p>
-            <a:pPr marL="742950" lvl="1" indent="-285750"/>
-            <a:endParaRPr lang="en-US" dirty="0"/>
-          </a:p>
-          <a:p>
-            <a:pPr marL="742950" lvl="1" indent="-285750"/>
-            <a:endParaRPr lang="en-US" dirty="0"/>
-          </a:p>
-          <a:p>
-            <a:pPr marL="742950" lvl="1" indent="-285750"/>
-            <a:endParaRPr lang="en-US" dirty="0"/>
-          </a:p>
-        </p:txBody>
-      </p:sp>
-      <p:sp>
-        <p:nvSpPr>
-          <p:cNvPr id="5" name="Content Placeholder 4">
-            <a:extLst>
-              <a:ext uri="{FF2B5EF4-FFF2-40B4-BE49-F238E27FC236}">
-                <a16:creationId xmlns:a16="http://schemas.microsoft.com/office/drawing/2014/main" id="{197EC30E-8AD1-971B-3F49-ABF1247C47DB}"/>
-              </a:ext>
-            </a:extLst>
-          </p:cNvPr>
-          <p:cNvSpPr>
-            <a:spLocks noGrp="1"/>
-          </p:cNvSpPr>
-          <p:nvPr>
-            <p:ph sz="quarter" idx="14"/>
-          </p:nvPr>
-        </p:nvSpPr>
-        <p:spPr/>
-        <p:txBody>
-          <a:bodyPr anchor="ctr"/>
-          <a:lstStyle/>
-          <a:p>
-            <a:r>
-              <a:rPr lang="en-US" dirty="0"/>
-              <a:t>Hydra is a framework for elegantly configuring complex applications</a:t>
-            </a:r>
-          </a:p>
-        </p:txBody>
-      </p:sp>
-      <p:pic>
-        <p:nvPicPr>
-          <p:cNvPr id="5122" name="Picture 2" descr="GitHub - facebookresearch/hydra: Hydra is a framework for elegantly  configuring complex applications">
-            <a:extLst>
-              <a:ext uri="{FF2B5EF4-FFF2-40B4-BE49-F238E27FC236}">
-                <a16:creationId xmlns:a16="http://schemas.microsoft.com/office/drawing/2014/main" id="{306399A4-61AA-D2A9-DDC6-1195A5461B3C}"/>
-              </a:ext>
-            </a:extLst>
-          </p:cNvPr>
-          <p:cNvPicPr>
-            <a:picLocks noChangeAspect="1" noChangeArrowheads="1"/>
-          </p:cNvPicPr>
-          <p:nvPr/>
-        </p:nvPicPr>
-        <p:blipFill>
-          <a:blip r:embed="rId2">
-            <a:extLst>
-              <a:ext uri="{28A0092B-C50C-407E-A947-70E740481C1C}">
-                <a14:useLocalDpi xmlns:a14="http://schemas.microsoft.com/office/drawing/2010/main" val="0"/>
-              </a:ext>
-            </a:extLst>
-          </a:blip>
-          <a:srcRect/>
-          <a:stretch>
-            <a:fillRect/>
-          </a:stretch>
-        </p:blipFill>
-        <p:spPr bwMode="auto">
-          <a:xfrm>
-            <a:off x="8713263" y="2659493"/>
-            <a:ext cx="5402318" cy="2701159"/>
-          </a:xfrm>
-          <a:prstGeom prst="rect">
-            <a:avLst/>
-          </a:prstGeom>
-          <a:noFill/>
-          <a:extLst>
-            <a:ext uri="{909E8E84-426E-40DD-AFC4-6F175D3DCCD1}">
-              <a14:hiddenFill xmlns:a14="http://schemas.microsoft.com/office/drawing/2010/main">
-                <a:solidFill>
-                  <a:srgbClr val="FFFFFF"/>
-                </a:solidFill>
-              </a14:hiddenFill>
-            </a:ext>
-          </a:extLst>
-        </p:spPr>
-      </p:pic>
-    </p:spTree>
-    <p:extLst>
-      <p:ext uri="{BB962C8B-B14F-4D97-AF65-F5344CB8AC3E}">
-        <p14:creationId xmlns:p14="http://schemas.microsoft.com/office/powerpoint/2010/main" val="4173880503"/>
       </p:ext>
     </p:extLst>
   </p:cSld>
@@ -51044,15 +51150,6 @@
 </file>
 
 <file path=customXml/item1.xml><?xml version="1.0" encoding="utf-8"?>
-<?mso-contentType ?>
-<FormTemplates xmlns="http://schemas.microsoft.com/sharepoint/v3/contenttype/forms">
-  <Display>DocumentLibraryForm</Display>
-  <Edit>DocumentLibraryForm</Edit>
-  <New>DocumentLibraryForm</New>
-</FormTemplates>
-</file>
-
-<file path=customXml/item2.xml><?xml version="1.0" encoding="utf-8"?>
 <ct:contentTypeSchema xmlns:ct="http://schemas.microsoft.com/office/2006/metadata/contentType" xmlns:ma="http://schemas.microsoft.com/office/2006/metadata/properties/metaAttributes" ct:_="" ma:_="" ma:contentTypeName="Document" ma:contentTypeID="0x010100C5B83CE03EECE341881A1F0752F63AF2" ma:contentTypeVersion="13" ma:contentTypeDescription="Create a new document." ma:contentTypeScope="" ma:versionID="f7e9cf7db6a4f784ae4c1b25fc38bc83">
   <xsd:schema xmlns:xsd="http://www.w3.org/2001/XMLSchema" xmlns:xs="http://www.w3.org/2001/XMLSchema" xmlns:p="http://schemas.microsoft.com/office/2006/metadata/properties" xmlns:ns2="1a07bc1d-6d76-4e11-be34-f129f223cdee" xmlns:ns3="79d68c02-2edb-4bf8-9c74-38c47b010225" targetNamespace="http://schemas.microsoft.com/office/2006/metadata/properties" ma:root="true" ma:fieldsID="ab09d16a8af64100d5da97d3b8f4214f" ns2:_="" ns3:_="">
     <xsd:import namespace="1a07bc1d-6d76-4e11-be34-f129f223cdee"/>
@@ -51275,6 +51372,15 @@
 </ct:contentTypeSchema>
 </file>
 
+<file path=customXml/item2.xml><?xml version="1.0" encoding="utf-8"?>
+<?mso-contentType ?>
+<FormTemplates xmlns="http://schemas.microsoft.com/sharepoint/v3/contenttype/forms">
+  <Display>DocumentLibraryForm</Display>
+  <Edit>DocumentLibraryForm</Edit>
+  <New>DocumentLibraryForm</New>
+</FormTemplates>
+</file>
+
 <file path=customXml/item3.xml><?xml version="1.0" encoding="utf-8"?>
 <p:properties xmlns:p="http://schemas.microsoft.com/office/2006/metadata/properties" xmlns:xsi="http://www.w3.org/2001/XMLSchema-instance" xmlns:pc="http://schemas.microsoft.com/office/infopath/2007/PartnerControls">
   <documentManagement>
@@ -51287,14 +51393,6 @@
 </file>
 
 <file path=customXml/itemProps1.xml><?xml version="1.0" encoding="utf-8"?>
-<ds:datastoreItem xmlns:ds="http://schemas.openxmlformats.org/officeDocument/2006/customXml" ds:itemID="{984CFEF3-26D5-4BA6-A2DF-F4F5F2AE5CC4}">
-  <ds:schemaRefs>
-    <ds:schemaRef ds:uri="http://schemas.microsoft.com/sharepoint/v3/contenttype/forms"/>
-  </ds:schemaRefs>
-</ds:datastoreItem>
-</file>
-
-<file path=customXml/itemProps2.xml><?xml version="1.0" encoding="utf-8"?>
 <ds:datastoreItem xmlns:ds="http://schemas.openxmlformats.org/officeDocument/2006/customXml" ds:itemID="{6D544FA9-E6F4-4F7B-A6D3-E5D4B4E6ADFC}">
   <ds:schemaRefs>
     <ds:schemaRef ds:uri="http://schemas.microsoft.com/office/2006/metadata/contentType"/>
@@ -51309,6 +51407,14 @@
     <ds:schemaRef ds:uri="http://purl.org/dc/elements/1.1/"/>
     <ds:schemaRef ds:uri="http://purl.org/dc/terms/"/>
     <ds:schemaRef ds:uri="http://schemas.microsoft.com/internal/obd"/>
+  </ds:schemaRefs>
+</ds:datastoreItem>
+</file>
+
+<file path=customXml/itemProps2.xml><?xml version="1.0" encoding="utf-8"?>
+<ds:datastoreItem xmlns:ds="http://schemas.openxmlformats.org/officeDocument/2006/customXml" ds:itemID="{984CFEF3-26D5-4BA6-A2DF-F4F5F2AE5CC4}">
+  <ds:schemaRefs>
+    <ds:schemaRef ds:uri="http://schemas.microsoft.com/sharepoint/v3/contenttype/forms"/>
   </ds:schemaRefs>
 </ds:datastoreItem>
 </file>

--- a/PyCon 2025.pptx
+++ b/PyCon 2025.pptx
@@ -162,6 +162,105 @@
 </p188:authorLst>
 </file>
 
+<file path=ppt/revisionInfo.xml><?xml version="1.0" encoding="utf-8"?>
+<p1510:revInfo xmlns:a="http://schemas.openxmlformats.org/drawingml/2006/main" xmlns:r="http://schemas.openxmlformats.org/officeDocument/2006/relationships" xmlns:p1510="http://schemas.microsoft.com/office/powerpoint/2015/10/main">
+  <p1510:revLst>
+    <p1510:client id="{EECBAF0A-9D6E-4D67-B038-F18A47349D1C}" v="6" dt="2025-05-13T22:28:47.690"/>
+  </p1510:revLst>
+</p1510:revInfo>
+</file>
+
+<file path=ppt/changesInfos/changesInfo1.xml><?xml version="1.0" encoding="utf-8"?>
+<pc:chgInfo xmlns:a="http://schemas.openxmlformats.org/drawingml/2006/main" xmlns:r="http://schemas.openxmlformats.org/officeDocument/2006/relationships" xmlns:ac="http://schemas.microsoft.com/office/drawing/2013/main/command" xmlns:pc="http://schemas.microsoft.com/office/powerpoint/2013/main/command">
+  <pc:docChgLst>
+    <pc:chgData name="Pascal Tomecek" userId="cb215d32947da27e" providerId="LiveId" clId="{EECBAF0A-9D6E-4D67-B038-F18A47349D1C}"/>
+    <pc:docChg chg="custSel modSld modMainMaster">
+      <pc:chgData name="Pascal Tomecek" userId="cb215d32947da27e" providerId="LiveId" clId="{EECBAF0A-9D6E-4D67-B038-F18A47349D1C}" dt="2025-05-13T22:30:06.468" v="38" actId="478"/>
+      <pc:docMkLst>
+        <pc:docMk/>
+      </pc:docMkLst>
+      <pc:sldChg chg="modSp mod">
+        <pc:chgData name="Pascal Tomecek" userId="cb215d32947da27e" providerId="LiveId" clId="{EECBAF0A-9D6E-4D67-B038-F18A47349D1C}" dt="2025-05-11T14:51:04.911" v="30" actId="13926"/>
+        <pc:sldMkLst>
+          <pc:docMk/>
+          <pc:sldMk cId="627990114" sldId="400"/>
+        </pc:sldMkLst>
+        <pc:spChg chg="mod">
+          <ac:chgData name="Pascal Tomecek" userId="cb215d32947da27e" providerId="LiveId" clId="{EECBAF0A-9D6E-4D67-B038-F18A47349D1C}" dt="2025-05-11T14:51:04.911" v="30" actId="13926"/>
+          <ac:spMkLst>
+            <pc:docMk/>
+            <pc:sldMk cId="627990114" sldId="400"/>
+            <ac:spMk id="4" creationId="{F2525358-08DE-AD35-23D5-7712141464D6}"/>
+          </ac:spMkLst>
+        </pc:spChg>
+        <pc:spChg chg="mod">
+          <ac:chgData name="Pascal Tomecek" userId="cb215d32947da27e" providerId="LiveId" clId="{EECBAF0A-9D6E-4D67-B038-F18A47349D1C}" dt="2025-05-11T14:49:24.298" v="28" actId="20577"/>
+          <ac:spMkLst>
+            <pc:docMk/>
+            <pc:sldMk cId="627990114" sldId="400"/>
+            <ac:spMk id="19" creationId="{0F0C100A-FDE3-ECC6-66D8-9FEB8FAAC422}"/>
+          </ac:spMkLst>
+        </pc:spChg>
+      </pc:sldChg>
+      <pc:sldChg chg="addSp delSp modSp mod">
+        <pc:chgData name="Pascal Tomecek" userId="cb215d32947da27e" providerId="LiveId" clId="{EECBAF0A-9D6E-4D67-B038-F18A47349D1C}" dt="2025-05-13T22:28:47.690" v="37" actId="1076"/>
+        <pc:sldMkLst>
+          <pc:docMk/>
+          <pc:sldMk cId="1970218064" sldId="403"/>
+        </pc:sldMkLst>
+        <pc:spChg chg="mod">
+          <ac:chgData name="Pascal Tomecek" userId="cb215d32947da27e" providerId="LiveId" clId="{EECBAF0A-9D6E-4D67-B038-F18A47349D1C}" dt="2025-05-13T22:26:25.756" v="32" actId="1076"/>
+          <ac:spMkLst>
+            <pc:docMk/>
+            <pc:sldMk cId="1970218064" sldId="403"/>
+            <ac:spMk id="3" creationId="{53D6DA42-5624-91E6-A0FE-27172D5099B2}"/>
+          </ac:spMkLst>
+        </pc:spChg>
+        <pc:picChg chg="del">
+          <ac:chgData name="Pascal Tomecek" userId="cb215d32947da27e" providerId="LiveId" clId="{EECBAF0A-9D6E-4D67-B038-F18A47349D1C}" dt="2025-05-13T22:28:37.533" v="34" actId="478"/>
+          <ac:picMkLst>
+            <pc:docMk/>
+            <pc:sldMk cId="1970218064" sldId="403"/>
+            <ac:picMk id="5" creationId="{122EA53A-072C-4732-EA07-F12C70737F25}"/>
+          </ac:picMkLst>
+        </pc:picChg>
+        <pc:picChg chg="add del">
+          <ac:chgData name="Pascal Tomecek" userId="cb215d32947da27e" providerId="LiveId" clId="{EECBAF0A-9D6E-4D67-B038-F18A47349D1C}" dt="2025-05-13T22:28:37.533" v="34" actId="478"/>
+          <ac:picMkLst>
+            <pc:docMk/>
+            <pc:sldMk cId="1970218064" sldId="403"/>
+            <ac:picMk id="1026" creationId="{CD63BCF6-A78E-EBAA-2DC3-9945C2DA47D2}"/>
+          </ac:picMkLst>
+        </pc:picChg>
+        <pc:picChg chg="add mod">
+          <ac:chgData name="Pascal Tomecek" userId="cb215d32947da27e" providerId="LiveId" clId="{EECBAF0A-9D6E-4D67-B038-F18A47349D1C}" dt="2025-05-13T22:28:47.690" v="37" actId="1076"/>
+          <ac:picMkLst>
+            <pc:docMk/>
+            <pc:sldMk cId="1970218064" sldId="403"/>
+            <ac:picMk id="1028" creationId="{F3F9521A-CA76-B32B-010A-0CD0AFEB4DDD}"/>
+          </ac:picMkLst>
+        </pc:picChg>
+      </pc:sldChg>
+      <pc:sldMasterChg chg="delSp mod">
+        <pc:chgData name="Pascal Tomecek" userId="cb215d32947da27e" providerId="LiveId" clId="{EECBAF0A-9D6E-4D67-B038-F18A47349D1C}" dt="2025-05-13T22:30:06.468" v="38" actId="478"/>
+        <pc:sldMasterMkLst>
+          <pc:docMk/>
+          <pc:sldMasterMk cId="1922022139" sldId="2147483658"/>
+        </pc:sldMasterMkLst>
+        <pc:spChg chg="del">
+          <ac:chgData name="Pascal Tomecek" userId="cb215d32947da27e" providerId="LiveId" clId="{EECBAF0A-9D6E-4D67-B038-F18A47349D1C}" dt="2025-05-13T22:30:06.468" v="38" actId="478"/>
+          <ac:spMkLst>
+            <pc:docMk/>
+            <pc:sldMasterMk cId="1922022139" sldId="2147483658"/>
+            <ac:spMk id="7" creationId="{18367F5A-818B-30C0-DE0B-485A5EE7AD8B}"/>
+          </ac:spMkLst>
+        </pc:spChg>
+      </pc:sldMasterChg>
+    </pc:docChg>
+  </pc:docChgLst>
+</pc:chgInfo>
+</file>
+
 <file path=ppt/handoutMasters/handoutMaster1.xml><?xml version="1.0" encoding="utf-8"?>
 <p:handoutMaster xmlns:a="http://schemas.openxmlformats.org/drawingml/2006/main" xmlns:r="http://schemas.openxmlformats.org/officeDocument/2006/relationships" xmlns:p="http://schemas.openxmlformats.org/presentationml/2006/main">
   <p:cSld>
@@ -256,7 +355,7 @@
           <a:p>
             <a:fld id="{192C8238-AD33-4145-BFAA-C6A9FB91DD45}" type="datetimeFigureOut">
               <a:rPr lang="en-US" smtClean="0"/>
-              <a:t>5/3/2025</a:t>
+              <a:t>5/13/2025</a:t>
             </a:fld>
             <a:endParaRPr lang="en-US"/>
           </a:p>
@@ -433,7 +532,7 @@
           <a:p>
             <a:fld id="{5ED061D6-E002-4185-97C3-105FE2E522ED}" type="datetimeFigureOut">
               <a:rPr lang="en-US" smtClean="0"/>
-              <a:t>5/3/2025</a:t>
+              <a:t>5/13/2025</a:t>
             </a:fld>
             <a:endParaRPr lang="en-US"/>
           </a:p>
@@ -22945,62 +23044,6 @@
               <a:t>‹#›</a:t>
             </a:fld>
             <a:endParaRPr lang="en-US"/>
-          </a:p>
-        </p:txBody>
-      </p:sp>
-      <p:sp>
-        <p:nvSpPr>
-          <p:cNvPr id="7" name="TextBox 6">
-            <a:extLst>
-              <a:ext uri="{FF2B5EF4-FFF2-40B4-BE49-F238E27FC236}">
-                <a16:creationId xmlns:a16="http://schemas.microsoft.com/office/drawing/2014/main" id="{18367F5A-818B-30C0-DE0B-485A5EE7AD8B}"/>
-              </a:ext>
-            </a:extLst>
-          </p:cNvPr>
-          <p:cNvSpPr txBox="1"/>
-          <p:nvPr userDrawn="1"/>
-        </p:nvSpPr>
-        <p:spPr>
-          <a:xfrm>
-            <a:off x="628253" y="7724540"/>
-            <a:ext cx="1865376" cy="193107"/>
-          </a:xfrm>
-          <a:prstGeom prst="rect">
-            <a:avLst/>
-          </a:prstGeom>
-          <a:noFill/>
-        </p:spPr>
-        <p:txBody>
-          <a:bodyPr wrap="square" rtlCol="0">
-            <a:noAutofit/>
-          </a:bodyPr>
-          <a:lstStyle/>
-          <a:p>
-            <a:pPr marL="0" marR="0" lvl="0" indent="0" algn="l" defTabSz="457200" rtl="0" eaLnBrk="1" fontAlgn="auto" latinLnBrk="0" hangingPunct="1">
-              <a:lnSpc>
-                <a:spcPct val="100000"/>
-              </a:lnSpc>
-              <a:spcBef>
-                <a:spcPts val="0"/>
-              </a:spcBef>
-              <a:spcAft>
-                <a:spcPts val="0"/>
-              </a:spcAft>
-              <a:buClrTx/>
-              <a:buSzTx/>
-              <a:buFontTx/>
-              <a:buNone/>
-              <a:tabLst/>
-              <a:defRPr/>
-            </a:pPr>
-            <a:r>
-              <a:rPr lang="en-US" sz="1050" spc="300" dirty="0">
-                <a:solidFill>
-                  <a:schemeClr val="tx1"/>
-                </a:solidFill>
-              </a:rPr>
-              <a:t>CONFIDENTIAL</a:t>
-            </a:r>
           </a:p>
         </p:txBody>
       </p:sp>
@@ -36361,18 +36404,9 @@
             </a:r>
             <a:r>
               <a:rPr lang="en-US" sz="1200" dirty="0" err="1">
-                <a:highlight>
-                  <a:srgbClr val="FFFF00"/>
-                </a:highlight>
-                <a:latin typeface="Consolas" panose="020B0609020204030204" pitchFamily="49" charset="0"/>
-              </a:rPr>
-              <a:t>prod</a:t>
-            </a:r>
-            <a:r>
-              <a:rPr lang="en-US" sz="1200" dirty="0" err="1">
-                <a:latin typeface="Consolas" panose="020B0609020204030204" pitchFamily="49" charset="0"/>
-              </a:rPr>
-              <a:t>.yaml</a:t>
+                <a:latin typeface="Consolas" panose="020B0609020204030204" pitchFamily="49" charset="0"/>
+              </a:rPr>
+              <a:t>prod.yaml</a:t>
             </a:r>
             <a:endParaRPr lang="en-US" sz="1200" dirty="0">
               <a:latin typeface="Consolas" panose="020B0609020204030204" pitchFamily="49" charset="0"/>
@@ -36636,9 +36670,18 @@
             </a:r>
             <a:r>
               <a:rPr lang="en-US" sz="1200" b="1" dirty="0" err="1">
-                <a:latin typeface="Consolas" panose="020B0609020204030204" pitchFamily="49" charset="0"/>
-              </a:rPr>
-              <a:t>test.yaml</a:t>
+                <a:highlight>
+                  <a:srgbClr val="FFFF00"/>
+                </a:highlight>
+                <a:latin typeface="Consolas" panose="020B0609020204030204" pitchFamily="49" charset="0"/>
+              </a:rPr>
+              <a:t>test</a:t>
+            </a:r>
+            <a:r>
+              <a:rPr lang="en-US" sz="1200" b="1" dirty="0" err="1">
+                <a:latin typeface="Consolas" panose="020B0609020204030204" pitchFamily="49" charset="0"/>
+              </a:rPr>
+              <a:t>.yaml</a:t>
             </a:r>
             <a:endParaRPr lang="en-US" sz="1200" b="1" dirty="0">
               <a:latin typeface="Consolas" panose="020B0609020204030204" pitchFamily="49" charset="0"/>
@@ -37701,7 +37744,7 @@
         <p:spPr>
           <a:xfrm>
             <a:off x="6499896" y="1920157"/>
-            <a:ext cx="7373759" cy="3683060"/>
+            <a:ext cx="7373759" cy="3862596"/>
           </a:xfrm>
           <a:prstGeom prst="rect">
             <a:avLst/>
@@ -38435,7 +38478,7 @@
                 <a:effectLst/>
                 <a:latin typeface="Consolas" panose="020B0609020204030204" pitchFamily="49" charset="0"/>
               </a:rPr>
-              <a:t>    </a:t>
+              <a:t>    report = </a:t>
             </a:r>
             <a:r>
               <a:rPr lang="en-US" sz="1200" b="0" dirty="0">
@@ -38536,6 +38579,24 @@
                 <a:latin typeface="Consolas" panose="020B0609020204030204" pitchFamily="49" charset="0"/>
               </a:rPr>
               <a:t>)</a:t>
+            </a:r>
+          </a:p>
+          <a:p>
+            <a:pPr>
+              <a:lnSpc>
+                <a:spcPts val="1425"/>
+              </a:lnSpc>
+              <a:buNone/>
+            </a:pPr>
+            <a:r>
+              <a:rPr lang="en-US" sz="1200" b="0" dirty="0">
+                <a:solidFill>
+                  <a:srgbClr val="3B3B3B"/>
+                </a:solidFill>
+                <a:effectLst/>
+                <a:latin typeface="Consolas" panose="020B0609020204030204" pitchFamily="49" charset="0"/>
+              </a:rPr>
+              <a:t>    print(report)</a:t>
             </a:r>
           </a:p>
           <a:p>
@@ -40235,7 +40296,7 @@
         </p:nvSpPr>
         <p:spPr>
           <a:xfrm>
-            <a:off x="694943" y="5486399"/>
+            <a:off x="2564933" y="5478160"/>
             <a:ext cx="8790433" cy="1551915"/>
           </a:xfrm>
         </p:spPr>
@@ -40247,7 +40308,7 @@
               <a:rPr lang="en-US" dirty="0">
                 <a:hlinkClick r:id="rId2"/>
               </a:rPr>
-              <a:t>https://github.com/ptomecek/pycon2025/blob/main/PyCon%202025.pptx</a:t>
+              <a:t>https://github.com/ptomecek/pycon2025/</a:t>
             </a:r>
             <a:endParaRPr lang="en-US" dirty="0"/>
           </a:p>
@@ -40258,15 +40319,15 @@
       </p:sp>
       <p:pic>
         <p:nvPicPr>
-          <p:cNvPr id="5" name="Picture 4" descr="A qr code with dots&#10;&#10;AI-generated content may be incorrect.">
+          <p:cNvPr id="1028" name="Picture 4" descr="QR Code Image">
             <a:extLst>
               <a:ext uri="{FF2B5EF4-FFF2-40B4-BE49-F238E27FC236}">
-                <a16:creationId xmlns:a16="http://schemas.microsoft.com/office/drawing/2014/main" id="{122EA53A-072C-4732-EA07-F12C70737F25}"/>
+                <a16:creationId xmlns:a16="http://schemas.microsoft.com/office/drawing/2014/main" id="{F3F9521A-CA76-B32B-010A-0CD0AFEB4DDD}"/>
               </a:ext>
             </a:extLst>
           </p:cNvPr>
           <p:cNvPicPr>
-            <a:picLocks noChangeAspect="1"/>
+            <a:picLocks noChangeAspect="1" noChangeArrowheads="1"/>
           </p:cNvPicPr>
           <p:nvPr/>
         </p:nvPicPr>
@@ -40278,18 +40339,29 @@
               </a:ext>
             </a:extLst>
           </a:blip>
+          <a:srcRect/>
           <a:stretch>
             <a:fillRect/>
           </a:stretch>
         </p:blipFill>
-        <p:spPr>
+        <p:spPr bwMode="auto">
           <a:xfrm>
-            <a:off x="3482981" y="2272043"/>
-            <a:ext cx="3214356" cy="3214356"/>
+            <a:off x="3476368" y="2487310"/>
+            <a:ext cx="2990850" cy="2990850"/>
           </a:xfrm>
           <a:prstGeom prst="rect">
             <a:avLst/>
           </a:prstGeom>
+          <a:noFill/>
+          <a:extLst>
+            <a:ext uri="{909E8E84-426E-40DD-AFC4-6F175D3DCCD1}">
+              <a14:hiddenFill xmlns:a14="http://schemas.microsoft.com/office/drawing/2010/main">
+                <a:solidFill>
+                  <a:srgbClr val="FFFFFF"/>
+                </a:solidFill>
+              </a14:hiddenFill>
+            </a:ext>
+          </a:extLst>
         </p:spPr>
       </p:pic>
     </p:spTree>
@@ -51150,6 +51222,15 @@
 </file>
 
 <file path=customXml/item1.xml><?xml version="1.0" encoding="utf-8"?>
+<?mso-contentType ?>
+<FormTemplates xmlns="http://schemas.microsoft.com/sharepoint/v3/contenttype/forms">
+  <Display>DocumentLibraryForm</Display>
+  <Edit>DocumentLibraryForm</Edit>
+  <New>DocumentLibraryForm</New>
+</FormTemplates>
+</file>
+
+<file path=customXml/item2.xml><?xml version="1.0" encoding="utf-8"?>
 <ct:contentTypeSchema xmlns:ct="http://schemas.microsoft.com/office/2006/metadata/contentType" xmlns:ma="http://schemas.microsoft.com/office/2006/metadata/properties/metaAttributes" ct:_="" ma:_="" ma:contentTypeName="Document" ma:contentTypeID="0x010100C5B83CE03EECE341881A1F0752F63AF2" ma:contentTypeVersion="13" ma:contentTypeDescription="Create a new document." ma:contentTypeScope="" ma:versionID="f7e9cf7db6a4f784ae4c1b25fc38bc83">
   <xsd:schema xmlns:xsd="http://www.w3.org/2001/XMLSchema" xmlns:xs="http://www.w3.org/2001/XMLSchema" xmlns:p="http://schemas.microsoft.com/office/2006/metadata/properties" xmlns:ns2="1a07bc1d-6d76-4e11-be34-f129f223cdee" xmlns:ns3="79d68c02-2edb-4bf8-9c74-38c47b010225" targetNamespace="http://schemas.microsoft.com/office/2006/metadata/properties" ma:root="true" ma:fieldsID="ab09d16a8af64100d5da97d3b8f4214f" ns2:_="" ns3:_="">
     <xsd:import namespace="1a07bc1d-6d76-4e11-be34-f129f223cdee"/>
@@ -51372,15 +51453,6 @@
 </ct:contentTypeSchema>
 </file>
 
-<file path=customXml/item2.xml><?xml version="1.0" encoding="utf-8"?>
-<?mso-contentType ?>
-<FormTemplates xmlns="http://schemas.microsoft.com/sharepoint/v3/contenttype/forms">
-  <Display>DocumentLibraryForm</Display>
-  <Edit>DocumentLibraryForm</Edit>
-  <New>DocumentLibraryForm</New>
-</FormTemplates>
-</file>
-
 <file path=customXml/item3.xml><?xml version="1.0" encoding="utf-8"?>
 <p:properties xmlns:p="http://schemas.microsoft.com/office/2006/metadata/properties" xmlns:xsi="http://www.w3.org/2001/XMLSchema-instance" xmlns:pc="http://schemas.microsoft.com/office/infopath/2007/PartnerControls">
   <documentManagement>
@@ -51393,6 +51465,14 @@
 </file>
 
 <file path=customXml/itemProps1.xml><?xml version="1.0" encoding="utf-8"?>
+<ds:datastoreItem xmlns:ds="http://schemas.openxmlformats.org/officeDocument/2006/customXml" ds:itemID="{984CFEF3-26D5-4BA6-A2DF-F4F5F2AE5CC4}">
+  <ds:schemaRefs>
+    <ds:schemaRef ds:uri="http://schemas.microsoft.com/sharepoint/v3/contenttype/forms"/>
+  </ds:schemaRefs>
+</ds:datastoreItem>
+</file>
+
+<file path=customXml/itemProps2.xml><?xml version="1.0" encoding="utf-8"?>
 <ds:datastoreItem xmlns:ds="http://schemas.openxmlformats.org/officeDocument/2006/customXml" ds:itemID="{6D544FA9-E6F4-4F7B-A6D3-E5D4B4E6ADFC}">
   <ds:schemaRefs>
     <ds:schemaRef ds:uri="http://schemas.microsoft.com/office/2006/metadata/contentType"/>
@@ -51407,14 +51487,6 @@
     <ds:schemaRef ds:uri="http://purl.org/dc/elements/1.1/"/>
     <ds:schemaRef ds:uri="http://purl.org/dc/terms/"/>
     <ds:schemaRef ds:uri="http://schemas.microsoft.com/internal/obd"/>
-  </ds:schemaRefs>
-</ds:datastoreItem>
-</file>
-
-<file path=customXml/itemProps2.xml><?xml version="1.0" encoding="utf-8"?>
-<ds:datastoreItem xmlns:ds="http://schemas.openxmlformats.org/officeDocument/2006/customXml" ds:itemID="{984CFEF3-26D5-4BA6-A2DF-F4F5F2AE5CC4}">
-  <ds:schemaRefs>
-    <ds:schemaRef ds:uri="http://schemas.microsoft.com/sharepoint/v3/contenttype/forms"/>
   </ds:schemaRefs>
 </ds:datastoreItem>
 </file>
